--- a/Slides/Lecture12 - this._course.Dispose().pptx
+++ b/Slides/Lecture12 - this._course.Dispose().pptx
@@ -6,35 +6,37 @@
     <p:sldMasterId id="2147484675" r:id="rId5"/>
   </p:sldMasterIdLst>
   <p:notesMasterIdLst>
-    <p:notesMasterId r:id="rId29"/>
+    <p:notesMasterId r:id="rId31"/>
   </p:notesMasterIdLst>
   <p:handoutMasterIdLst>
-    <p:handoutMasterId r:id="rId30"/>
+    <p:handoutMasterId r:id="rId32"/>
   </p:handoutMasterIdLst>
   <p:sldIdLst>
     <p:sldId id="1663" r:id="rId6"/>
     <p:sldId id="1677" r:id="rId7"/>
-    <p:sldId id="1689" r:id="rId8"/>
-    <p:sldId id="1706" r:id="rId9"/>
-    <p:sldId id="1707" r:id="rId10"/>
-    <p:sldId id="1696" r:id="rId11"/>
-    <p:sldId id="1686" r:id="rId12"/>
-    <p:sldId id="1697" r:id="rId13"/>
-    <p:sldId id="1693" r:id="rId14"/>
-    <p:sldId id="1694" r:id="rId15"/>
-    <p:sldId id="1695" r:id="rId16"/>
-    <p:sldId id="1700" r:id="rId17"/>
-    <p:sldId id="1684" r:id="rId18"/>
-    <p:sldId id="1685" r:id="rId19"/>
-    <p:sldId id="1683" r:id="rId20"/>
-    <p:sldId id="1692" r:id="rId21"/>
-    <p:sldId id="1701" r:id="rId22"/>
-    <p:sldId id="1687" r:id="rId23"/>
-    <p:sldId id="1702" r:id="rId24"/>
-    <p:sldId id="1704" r:id="rId25"/>
-    <p:sldId id="1688" r:id="rId26"/>
-    <p:sldId id="1705" r:id="rId27"/>
-    <p:sldId id="1703" r:id="rId28"/>
+    <p:sldId id="1708" r:id="rId8"/>
+    <p:sldId id="1709" r:id="rId9"/>
+    <p:sldId id="1689" r:id="rId10"/>
+    <p:sldId id="1706" r:id="rId11"/>
+    <p:sldId id="1707" r:id="rId12"/>
+    <p:sldId id="1696" r:id="rId13"/>
+    <p:sldId id="1686" r:id="rId14"/>
+    <p:sldId id="1697" r:id="rId15"/>
+    <p:sldId id="1693" r:id="rId16"/>
+    <p:sldId id="1694" r:id="rId17"/>
+    <p:sldId id="1695" r:id="rId18"/>
+    <p:sldId id="1700" r:id="rId19"/>
+    <p:sldId id="1684" r:id="rId20"/>
+    <p:sldId id="1685" r:id="rId21"/>
+    <p:sldId id="1683" r:id="rId22"/>
+    <p:sldId id="1692" r:id="rId23"/>
+    <p:sldId id="1701" r:id="rId24"/>
+    <p:sldId id="1687" r:id="rId25"/>
+    <p:sldId id="1702" r:id="rId26"/>
+    <p:sldId id="1704" r:id="rId27"/>
+    <p:sldId id="1688" r:id="rId28"/>
+    <p:sldId id="1705" r:id="rId29"/>
+    <p:sldId id="1703" r:id="rId30"/>
   </p:sldIdLst>
   <p:sldSz cx="12192000" cy="6858000"/>
   <p:notesSz cx="6858000" cy="9144000"/>
@@ -140,6 +142,8 @@
           <p14:sldIdLst>
             <p14:sldId id="1663"/>
             <p14:sldId id="1677"/>
+            <p14:sldId id="1708"/>
+            <p14:sldId id="1709"/>
             <p14:sldId id="1689"/>
             <p14:sldId id="1706"/>
             <p14:sldId id="1707"/>
@@ -300,7 +304,7 @@
               <a:rPr lang="en-US" smtClean="0">
                 <a:latin typeface="Segoe UI" pitchFamily="34" charset="0"/>
               </a:rPr>
-              <a:t>11/24/2020 11:14 PM</a:t>
+              <a:t>11/25/2020 7:49 AM</a:t>
             </a:fld>
             <a:endParaRPr lang="en-US" dirty="0">
               <a:latin typeface="Segoe UI" pitchFamily="34" charset="0"/>
@@ -578,7 +582,7 @@
           <a:p>
             <a:fld id="{386CE63F-9E7F-4C04-9D0D-FCA25A8E9E86}" type="datetime8">
               <a:rPr lang="en-US" smtClean="0"/>
-              <a:t>11/24/2020 11:14 PM</a:t>
+              <a:t>11/25/2020 7:49 AM</a:t>
             </a:fld>
             <a:endParaRPr lang="en-US" dirty="0"/>
           </a:p>
@@ -945,7 +949,7 @@
           <a:p>
             <a:fld id="{321E5A7B-BB8D-4368-A182-109669521632}" type="datetime8">
               <a:rPr lang="en-US" smtClean="0"/>
-              <a:t>11/24/2020 11:14 PM</a:t>
+              <a:t>11/25/2020 7:49 AM</a:t>
             </a:fld>
             <a:endParaRPr lang="en-US" dirty="0"/>
           </a:p>
@@ -19514,6 +19518,255 @@
 <file path=ppt/slides/slide10.xml><?xml version="1.0" encoding="utf-8"?>
 <p:sld xmlns:a="http://schemas.openxmlformats.org/drawingml/2006/main" xmlns:r="http://schemas.openxmlformats.org/officeDocument/2006/relationships" xmlns:p="http://schemas.openxmlformats.org/presentationml/2006/main">
   <p:cSld>
+    <p:spTree>
+      <p:nvGrpSpPr>
+        <p:cNvPr id="1" name=""/>
+        <p:cNvGrpSpPr/>
+        <p:nvPr/>
+      </p:nvGrpSpPr>
+      <p:grpSpPr>
+        <a:xfrm>
+          <a:off x="0" y="0"/>
+          <a:ext cx="0" cy="0"/>
+          <a:chOff x="0" y="0"/>
+          <a:chExt cx="0" cy="0"/>
+        </a:xfrm>
+      </p:grpSpPr>
+      <p:sp>
+        <p:nvSpPr>
+          <p:cNvPr id="4" name="Title 3">
+            <a:extLst>
+              <a:ext uri="{FF2B5EF4-FFF2-40B4-BE49-F238E27FC236}">
+                <a16:creationId xmlns:a16="http://schemas.microsoft.com/office/drawing/2014/main" id="{8F4CD295-49EE-4CBF-ADFC-ED2918059B09}"/>
+              </a:ext>
+            </a:extLst>
+          </p:cNvPr>
+          <p:cNvSpPr>
+            <a:spLocks noGrp="1"/>
+          </p:cNvSpPr>
+          <p:nvPr>
+            <p:ph type="title"/>
+          </p:nvPr>
+        </p:nvSpPr>
+        <p:spPr/>
+        <p:txBody>
+          <a:bodyPr/>
+          <a:lstStyle/>
+          <a:p>
+            <a:r>
+              <a:rPr lang="da-DK" dirty="0" err="1"/>
+              <a:t>Trunk</a:t>
+            </a:r>
+            <a:r>
+              <a:rPr lang="da-DK" dirty="0"/>
+              <a:t> </a:t>
+            </a:r>
+            <a:r>
+              <a:rPr lang="da-DK" dirty="0" err="1"/>
+              <a:t>Based</a:t>
+            </a:r>
+            <a:r>
+              <a:rPr lang="da-DK" dirty="0"/>
+              <a:t> Development</a:t>
+            </a:r>
+            <a:endParaRPr lang="LID4096" dirty="0"/>
+          </a:p>
+        </p:txBody>
+      </p:sp>
+    </p:spTree>
+    <p:extLst>
+      <p:ext uri="{BB962C8B-B14F-4D97-AF65-F5344CB8AC3E}">
+        <p14:creationId xmlns:p14="http://schemas.microsoft.com/office/powerpoint/2010/main" val="1001365955"/>
+      </p:ext>
+    </p:extLst>
+  </p:cSld>
+  <p:clrMapOvr>
+    <a:masterClrMapping/>
+  </p:clrMapOvr>
+  <mc:AlternateContent xmlns:mc="http://schemas.openxmlformats.org/markup-compatibility/2006" xmlns:p14="http://schemas.microsoft.com/office/powerpoint/2010/main">
+    <mc:Choice Requires="p14">
+      <p:transition spd="med" p14:dur="700">
+        <p:fade/>
+      </p:transition>
+    </mc:Choice>
+    <mc:Fallback xmlns="">
+      <p:transition spd="med">
+        <p:fade/>
+      </p:transition>
+    </mc:Fallback>
+  </mc:AlternateContent>
+</p:sld>
+</file>
+
+<file path=ppt/slides/slide11.xml><?xml version="1.0" encoding="utf-8"?>
+<p:sld xmlns:a="http://schemas.openxmlformats.org/drawingml/2006/main" xmlns:r="http://schemas.openxmlformats.org/officeDocument/2006/relationships" xmlns:p="http://schemas.openxmlformats.org/presentationml/2006/main">
+  <p:cSld>
+    <p:spTree>
+      <p:nvGrpSpPr>
+        <p:cNvPr id="1" name=""/>
+        <p:cNvGrpSpPr/>
+        <p:nvPr/>
+      </p:nvGrpSpPr>
+      <p:grpSpPr>
+        <a:xfrm>
+          <a:off x="0" y="0"/>
+          <a:ext cx="0" cy="0"/>
+          <a:chOff x="0" y="0"/>
+          <a:chExt cx="0" cy="0"/>
+        </a:xfrm>
+      </p:grpSpPr>
+      <p:sp>
+        <p:nvSpPr>
+          <p:cNvPr id="2" name="Title 1">
+            <a:extLst>
+              <a:ext uri="{FF2B5EF4-FFF2-40B4-BE49-F238E27FC236}">
+                <a16:creationId xmlns:a16="http://schemas.microsoft.com/office/drawing/2014/main" id="{B3CBDC90-0005-423F-A1DA-86B2EA520E90}"/>
+              </a:ext>
+            </a:extLst>
+          </p:cNvPr>
+          <p:cNvSpPr>
+            <a:spLocks noGrp="1"/>
+          </p:cNvSpPr>
+          <p:nvPr>
+            <p:ph type="title"/>
+          </p:nvPr>
+        </p:nvSpPr>
+        <p:spPr/>
+        <p:txBody>
+          <a:bodyPr/>
+          <a:lstStyle/>
+          <a:p>
+            <a:r>
+              <a:rPr lang="da-DK" dirty="0" err="1"/>
+              <a:t>Trunk</a:t>
+            </a:r>
+            <a:r>
+              <a:rPr lang="da-DK" dirty="0"/>
+              <a:t> </a:t>
+            </a:r>
+            <a:r>
+              <a:rPr lang="da-DK" dirty="0" err="1"/>
+              <a:t>Based</a:t>
+            </a:r>
+            <a:r>
+              <a:rPr lang="da-DK" dirty="0"/>
+              <a:t> Development</a:t>
+            </a:r>
+            <a:endParaRPr lang="LID4096" dirty="0"/>
+          </a:p>
+        </p:txBody>
+      </p:sp>
+      <p:sp>
+        <p:nvSpPr>
+          <p:cNvPr id="3" name="Text Placeholder 2">
+            <a:extLst>
+              <a:ext uri="{FF2B5EF4-FFF2-40B4-BE49-F238E27FC236}">
+                <a16:creationId xmlns:a16="http://schemas.microsoft.com/office/drawing/2014/main" id="{90B7B7DE-AE5D-4765-960E-08186E058DA7}"/>
+              </a:ext>
+            </a:extLst>
+          </p:cNvPr>
+          <p:cNvSpPr>
+            <a:spLocks noGrp="1"/>
+          </p:cNvSpPr>
+          <p:nvPr>
+            <p:ph type="body" sz="quarter" idx="10"/>
+          </p:nvPr>
+        </p:nvSpPr>
+        <p:spPr>
+          <a:xfrm>
+            <a:off x="586390" y="1434370"/>
+            <a:ext cx="11018520" cy="3188565"/>
+          </a:xfrm>
+        </p:spPr>
+        <p:txBody>
+          <a:bodyPr/>
+          <a:lstStyle/>
+          <a:p>
+            <a:r>
+              <a:rPr lang="en-US" dirty="0"/>
+              <a:t>A source-control branching model, where developers collaborate on code in a single branch called ‘trunk’ *, resist any pressure to create other long-lived development branches by employing documented techniques. They therefore avoid merge hell, do not break the build, and live happily ever after.</a:t>
+            </a:r>
+          </a:p>
+          <a:p>
+            <a:endParaRPr lang="en-US" dirty="0"/>
+          </a:p>
+          <a:p>
+            <a:r>
+              <a:rPr lang="da-DK" dirty="0"/>
+              <a:t>* master, in Git </a:t>
+            </a:r>
+            <a:r>
+              <a:rPr lang="da-DK" dirty="0" err="1"/>
+              <a:t>nomenclature</a:t>
+            </a:r>
+            <a:endParaRPr lang="da-DK" dirty="0"/>
+          </a:p>
+        </p:txBody>
+      </p:sp>
+      <p:sp>
+        <p:nvSpPr>
+          <p:cNvPr id="4" name="Rectangle 3">
+            <a:extLst>
+              <a:ext uri="{FF2B5EF4-FFF2-40B4-BE49-F238E27FC236}">
+                <a16:creationId xmlns:a16="http://schemas.microsoft.com/office/drawing/2014/main" id="{860DE467-F63F-4873-92DF-67E51D0CC2D8}"/>
+              </a:ext>
+            </a:extLst>
+          </p:cNvPr>
+          <p:cNvSpPr/>
+          <p:nvPr/>
+        </p:nvSpPr>
+        <p:spPr>
+          <a:xfrm>
+            <a:off x="7174856" y="6178187"/>
+            <a:ext cx="4782720" cy="363946"/>
+          </a:xfrm>
+          <a:prstGeom prst="rect">
+            <a:avLst/>
+          </a:prstGeom>
+        </p:spPr>
+        <p:txBody>
+          <a:bodyPr wrap="none">
+            <a:spAutoFit/>
+          </a:bodyPr>
+          <a:lstStyle/>
+          <a:p>
+            <a:r>
+              <a:rPr lang="da-DK" dirty="0"/>
+              <a:t>Source: </a:t>
+            </a:r>
+            <a:r>
+              <a:rPr lang="da-DK" dirty="0">
+                <a:hlinkClick r:id="rId2"/>
+              </a:rPr>
+              <a:t>https://trunkbaseddevelopment.com/</a:t>
+            </a:r>
+            <a:r>
+              <a:rPr lang="da-DK" dirty="0"/>
+              <a:t> </a:t>
+            </a:r>
+            <a:endParaRPr lang="LID4096" dirty="0"/>
+          </a:p>
+        </p:txBody>
+      </p:sp>
+    </p:spTree>
+    <p:extLst>
+      <p:ext uri="{BB962C8B-B14F-4D97-AF65-F5344CB8AC3E}">
+        <p14:creationId xmlns:p14="http://schemas.microsoft.com/office/powerpoint/2010/main" val="3033676717"/>
+      </p:ext>
+    </p:extLst>
+  </p:cSld>
+  <p:clrMapOvr>
+    <a:masterClrMapping/>
+  </p:clrMapOvr>
+  <p:transition>
+    <p:fade/>
+  </p:transition>
+</p:sld>
+</file>
+
+<file path=ppt/slides/slide12.xml><?xml version="1.0" encoding="utf-8"?>
+<p:sld xmlns:a="http://schemas.openxmlformats.org/drawingml/2006/main" xmlns:r="http://schemas.openxmlformats.org/officeDocument/2006/relationships" xmlns:p="http://schemas.openxmlformats.org/presentationml/2006/main">
+  <p:cSld>
     <p:bg>
       <p:bgPr>
         <a:solidFill>
@@ -19775,7 +20028,7 @@
 </p:sld>
 </file>
 
-<file path=ppt/slides/slide11.xml><?xml version="1.0" encoding="utf-8"?>
+<file path=ppt/slides/slide13.xml><?xml version="1.0" encoding="utf-8"?>
 <p:sld xmlns:a="http://schemas.openxmlformats.org/drawingml/2006/main" xmlns:r="http://schemas.openxmlformats.org/officeDocument/2006/relationships" xmlns:p="http://schemas.openxmlformats.org/presentationml/2006/main">
   <p:cSld>
     <p:bg>
@@ -19893,7 +20146,7 @@
 </p:sld>
 </file>
 
-<file path=ppt/slides/slide12.xml><?xml version="1.0" encoding="utf-8"?>
+<file path=ppt/slides/slide14.xml><?xml version="1.0" encoding="utf-8"?>
 <p:sld xmlns:a="http://schemas.openxmlformats.org/drawingml/2006/main" xmlns:r="http://schemas.openxmlformats.org/officeDocument/2006/relationships" xmlns:p="http://schemas.openxmlformats.org/presentationml/2006/main">
   <p:cSld>
     <p:spTree>
@@ -20018,7 +20271,7 @@
 </p:sld>
 </file>
 
-<file path=ppt/slides/slide13.xml><?xml version="1.0" encoding="utf-8"?>
+<file path=ppt/slides/slide15.xml><?xml version="1.0" encoding="utf-8"?>
 <p:sld xmlns:a="http://schemas.openxmlformats.org/drawingml/2006/main" xmlns:r="http://schemas.openxmlformats.org/officeDocument/2006/relationships" xmlns:p="http://schemas.openxmlformats.org/presentationml/2006/main">
   <p:cSld>
     <p:bg>
@@ -20144,7 +20397,7 @@
 </p:sld>
 </file>
 
-<file path=ppt/slides/slide14.xml><?xml version="1.0" encoding="utf-8"?>
+<file path=ppt/slides/slide16.xml><?xml version="1.0" encoding="utf-8"?>
 <p:sld xmlns:a="http://schemas.openxmlformats.org/drawingml/2006/main" xmlns:r="http://schemas.openxmlformats.org/officeDocument/2006/relationships" xmlns:p="http://schemas.openxmlformats.org/presentationml/2006/main">
   <p:cSld>
     <p:bg>
@@ -20250,7 +20503,7 @@
 </p:sld>
 </file>
 
-<file path=ppt/slides/slide15.xml><?xml version="1.0" encoding="utf-8"?>
+<file path=ppt/slides/slide17.xml><?xml version="1.0" encoding="utf-8"?>
 <p:sld xmlns:a="http://schemas.openxmlformats.org/drawingml/2006/main" xmlns:r="http://schemas.openxmlformats.org/officeDocument/2006/relationships" xmlns:p="http://schemas.openxmlformats.org/presentationml/2006/main">
   <p:cSld>
     <p:spTree>
@@ -20335,13 +20588,13 @@
   <p:clrMapOvr>
     <a:masterClrMapping/>
   </p:clrMapOvr>
-  <mc:AlternateContent xmlns:mc="http://schemas.openxmlformats.org/markup-compatibility/2006">
-    <mc:Choice xmlns:p14="http://schemas.microsoft.com/office/powerpoint/2010/main" Requires="p14">
+  <mc:AlternateContent xmlns:mc="http://schemas.openxmlformats.org/markup-compatibility/2006" xmlns:p14="http://schemas.microsoft.com/office/powerpoint/2010/main">
+    <mc:Choice Requires="p14">
       <p:transition spd="med" p14:dur="700">
         <p:fade/>
       </p:transition>
     </mc:Choice>
-    <mc:Fallback>
+    <mc:Fallback xmlns="">
       <p:transition spd="med">
         <p:fade/>
       </p:transition>
@@ -20350,7 +20603,7 @@
 </p:sld>
 </file>
 
-<file path=ppt/slides/slide16.xml><?xml version="1.0" encoding="utf-8"?>
+<file path=ppt/slides/slide18.xml><?xml version="1.0" encoding="utf-8"?>
 <p:sld xmlns:a="http://schemas.openxmlformats.org/drawingml/2006/main" xmlns:r="http://schemas.openxmlformats.org/officeDocument/2006/relationships" xmlns:p="http://schemas.openxmlformats.org/presentationml/2006/main">
   <p:cSld>
     <p:spTree>
@@ -20446,193 +20699,18 @@
   <p:clrMapOvr>
     <a:masterClrMapping/>
   </p:clrMapOvr>
-  <mc:AlternateContent xmlns:mc="http://schemas.openxmlformats.org/markup-compatibility/2006">
-    <mc:Choice xmlns:p14="http://schemas.microsoft.com/office/powerpoint/2010/main" Requires="p14">
+  <mc:AlternateContent xmlns:mc="http://schemas.openxmlformats.org/markup-compatibility/2006" xmlns:p14="http://schemas.microsoft.com/office/powerpoint/2010/main">
+    <mc:Choice Requires="p14">
       <p:transition spd="med" p14:dur="700">
         <p:fade/>
       </p:transition>
     </mc:Choice>
-    <mc:Fallback>
+    <mc:Fallback xmlns="">
       <p:transition spd="med">
         <p:fade/>
       </p:transition>
     </mc:Fallback>
   </mc:AlternateContent>
-</p:sld>
-</file>
-
-<file path=ppt/slides/slide17.xml><?xml version="1.0" encoding="utf-8"?>
-<p:sld xmlns:a="http://schemas.openxmlformats.org/drawingml/2006/main" xmlns:r="http://schemas.openxmlformats.org/officeDocument/2006/relationships" xmlns:p="http://schemas.openxmlformats.org/presentationml/2006/main">
-  <p:cSld>
-    <p:spTree>
-      <p:nvGrpSpPr>
-        <p:cNvPr id="1" name=""/>
-        <p:cNvGrpSpPr/>
-        <p:nvPr/>
-      </p:nvGrpSpPr>
-      <p:grpSpPr>
-        <a:xfrm>
-          <a:off x="0" y="0"/>
-          <a:ext cx="0" cy="0"/>
-          <a:chOff x="0" y="0"/>
-          <a:chExt cx="0" cy="0"/>
-        </a:xfrm>
-      </p:grpSpPr>
-      <p:sp>
-        <p:nvSpPr>
-          <p:cNvPr id="4" name="Title 3">
-            <a:extLst>
-              <a:ext uri="{FF2B5EF4-FFF2-40B4-BE49-F238E27FC236}">
-                <a16:creationId xmlns:a16="http://schemas.microsoft.com/office/drawing/2014/main" id="{8F4CD295-49EE-4CBF-ADFC-ED2918059B09}"/>
-              </a:ext>
-            </a:extLst>
-          </p:cNvPr>
-          <p:cNvSpPr>
-            <a:spLocks noGrp="1"/>
-          </p:cNvSpPr>
-          <p:nvPr>
-            <p:ph type="title"/>
-          </p:nvPr>
-        </p:nvSpPr>
-        <p:spPr/>
-        <p:txBody>
-          <a:bodyPr/>
-          <a:lstStyle/>
-          <a:p>
-            <a:r>
-              <a:rPr lang="da-DK" dirty="0" err="1"/>
-              <a:t>Continuous</a:t>
-            </a:r>
-            <a:r>
-              <a:rPr lang="da-DK" dirty="0"/>
-              <a:t> Delivery</a:t>
-            </a:r>
-            <a:endParaRPr lang="LID4096" dirty="0"/>
-          </a:p>
-        </p:txBody>
-      </p:sp>
-    </p:spTree>
-    <p:extLst>
-      <p:ext uri="{BB962C8B-B14F-4D97-AF65-F5344CB8AC3E}">
-        <p14:creationId xmlns:p14="http://schemas.microsoft.com/office/powerpoint/2010/main" val="3063619906"/>
-      </p:ext>
-    </p:extLst>
-  </p:cSld>
-  <p:clrMapOvr>
-    <a:masterClrMapping/>
-  </p:clrMapOvr>
-  <mc:AlternateContent xmlns:mc="http://schemas.openxmlformats.org/markup-compatibility/2006">
-    <mc:Choice xmlns:p14="http://schemas.microsoft.com/office/powerpoint/2010/main" Requires="p14">
-      <p:transition spd="med" p14:dur="700">
-        <p:fade/>
-      </p:transition>
-    </mc:Choice>
-    <mc:Fallback>
-      <p:transition spd="med">
-        <p:fade/>
-      </p:transition>
-    </mc:Fallback>
-  </mc:AlternateContent>
-</p:sld>
-</file>
-
-<file path=ppt/slides/slide18.xml><?xml version="1.0" encoding="utf-8"?>
-<p:sld xmlns:a="http://schemas.openxmlformats.org/drawingml/2006/main" xmlns:r="http://schemas.openxmlformats.org/officeDocument/2006/relationships" xmlns:p="http://schemas.openxmlformats.org/presentationml/2006/main">
-  <p:cSld>
-    <p:spTree>
-      <p:nvGrpSpPr>
-        <p:cNvPr id="1" name=""/>
-        <p:cNvGrpSpPr/>
-        <p:nvPr/>
-      </p:nvGrpSpPr>
-      <p:grpSpPr>
-        <a:xfrm>
-          <a:off x="0" y="0"/>
-          <a:ext cx="0" cy="0"/>
-          <a:chOff x="0" y="0"/>
-          <a:chExt cx="0" cy="0"/>
-        </a:xfrm>
-      </p:grpSpPr>
-      <p:sp>
-        <p:nvSpPr>
-          <p:cNvPr id="4" name="Title 3">
-            <a:extLst>
-              <a:ext uri="{FF2B5EF4-FFF2-40B4-BE49-F238E27FC236}">
-                <a16:creationId xmlns:a16="http://schemas.microsoft.com/office/drawing/2014/main" id="{888BC302-C6AE-44FD-8606-627D97EE22DF}"/>
-              </a:ext>
-            </a:extLst>
-          </p:cNvPr>
-          <p:cNvSpPr>
-            <a:spLocks noGrp="1"/>
-          </p:cNvSpPr>
-          <p:nvPr>
-            <p:ph type="title"/>
-          </p:nvPr>
-        </p:nvSpPr>
-        <p:spPr/>
-        <p:txBody>
-          <a:bodyPr/>
-          <a:lstStyle/>
-          <a:p>
-            <a:r>
-              <a:rPr lang="da-DK" dirty="0" err="1"/>
-              <a:t>Continuous</a:t>
-            </a:r>
-            <a:r>
-              <a:rPr lang="da-DK" dirty="0"/>
-              <a:t> Delivery</a:t>
-            </a:r>
-            <a:endParaRPr lang="LID4096" dirty="0"/>
-          </a:p>
-        </p:txBody>
-      </p:sp>
-      <p:sp>
-        <p:nvSpPr>
-          <p:cNvPr id="5" name="Text Placeholder 4">
-            <a:extLst>
-              <a:ext uri="{FF2B5EF4-FFF2-40B4-BE49-F238E27FC236}">
-                <a16:creationId xmlns:a16="http://schemas.microsoft.com/office/drawing/2014/main" id="{29540690-A8C4-4672-BF91-1D0FC873A28E}"/>
-              </a:ext>
-            </a:extLst>
-          </p:cNvPr>
-          <p:cNvSpPr>
-            <a:spLocks noGrp="1"/>
-          </p:cNvSpPr>
-          <p:nvPr>
-            <p:ph type="body" sz="quarter" idx="10"/>
-          </p:nvPr>
-        </p:nvSpPr>
-        <p:spPr>
-          <a:xfrm>
-            <a:off x="586390" y="1434370"/>
-            <a:ext cx="11018520" cy="2215991"/>
-          </a:xfrm>
-        </p:spPr>
-        <p:txBody>
-          <a:bodyPr/>
-          <a:lstStyle/>
-          <a:p>
-            <a:r>
-              <a:rPr lang="en-US" sz="3600" dirty="0"/>
-              <a:t>Continuous delivery is an approach where teams release quality products frequently and predictably from source code repository to production in an automated fashion.</a:t>
-            </a:r>
-            <a:endParaRPr lang="LID4096" sz="5400" dirty="0"/>
-          </a:p>
-        </p:txBody>
-      </p:sp>
-    </p:spTree>
-    <p:extLst>
-      <p:ext uri="{BB962C8B-B14F-4D97-AF65-F5344CB8AC3E}">
-        <p14:creationId xmlns:p14="http://schemas.microsoft.com/office/powerpoint/2010/main" val="1667253625"/>
-      </p:ext>
-    </p:extLst>
-  </p:cSld>
-  <p:clrMapOvr>
-    <a:masterClrMapping/>
-  </p:clrMapOvr>
-  <p:transition>
-    <p:fade/>
-  </p:transition>
 </p:sld>
 </file>
 
@@ -20680,7 +20758,7 @@
             </a:r>
             <a:r>
               <a:rPr lang="da-DK" dirty="0"/>
-              <a:t> Deployment</a:t>
+              <a:t> Delivery</a:t>
             </a:r>
             <a:endParaRPr lang="LID4096" dirty="0"/>
           </a:p>
@@ -20689,20 +20767,20 @@
     </p:spTree>
     <p:extLst>
       <p:ext uri="{BB962C8B-B14F-4D97-AF65-F5344CB8AC3E}">
-        <p14:creationId xmlns:p14="http://schemas.microsoft.com/office/powerpoint/2010/main" val="477559964"/>
+        <p14:creationId xmlns:p14="http://schemas.microsoft.com/office/powerpoint/2010/main" val="3063619906"/>
       </p:ext>
     </p:extLst>
   </p:cSld>
   <p:clrMapOvr>
     <a:masterClrMapping/>
   </p:clrMapOvr>
-  <mc:AlternateContent xmlns:mc="http://schemas.openxmlformats.org/markup-compatibility/2006">
-    <mc:Choice xmlns:p14="http://schemas.microsoft.com/office/powerpoint/2010/main" Requires="p14">
+  <mc:AlternateContent xmlns:mc="http://schemas.openxmlformats.org/markup-compatibility/2006" xmlns:p14="http://schemas.microsoft.com/office/powerpoint/2010/main">
+    <mc:Choice Requires="p14">
       <p:transition spd="med" p14:dur="700">
         <p:fade/>
       </p:transition>
     </mc:Choice>
-    <mc:Fallback>
+    <mc:Fallback xmlns="">
       <p:transition spd="med">
         <p:fade/>
       </p:transition>
@@ -20854,6 +20932,106 @@
           <p:cNvPr id="4" name="Title 3">
             <a:extLst>
               <a:ext uri="{FF2B5EF4-FFF2-40B4-BE49-F238E27FC236}">
+                <a16:creationId xmlns:a16="http://schemas.microsoft.com/office/drawing/2014/main" id="{888BC302-C6AE-44FD-8606-627D97EE22DF}"/>
+              </a:ext>
+            </a:extLst>
+          </p:cNvPr>
+          <p:cNvSpPr>
+            <a:spLocks noGrp="1"/>
+          </p:cNvSpPr>
+          <p:nvPr>
+            <p:ph type="title"/>
+          </p:nvPr>
+        </p:nvSpPr>
+        <p:spPr/>
+        <p:txBody>
+          <a:bodyPr/>
+          <a:lstStyle/>
+          <a:p>
+            <a:r>
+              <a:rPr lang="da-DK" dirty="0" err="1"/>
+              <a:t>Continuous</a:t>
+            </a:r>
+            <a:r>
+              <a:rPr lang="da-DK" dirty="0"/>
+              <a:t> Delivery</a:t>
+            </a:r>
+            <a:endParaRPr lang="LID4096" dirty="0"/>
+          </a:p>
+        </p:txBody>
+      </p:sp>
+      <p:sp>
+        <p:nvSpPr>
+          <p:cNvPr id="5" name="Text Placeholder 4">
+            <a:extLst>
+              <a:ext uri="{FF2B5EF4-FFF2-40B4-BE49-F238E27FC236}">
+                <a16:creationId xmlns:a16="http://schemas.microsoft.com/office/drawing/2014/main" id="{29540690-A8C4-4672-BF91-1D0FC873A28E}"/>
+              </a:ext>
+            </a:extLst>
+          </p:cNvPr>
+          <p:cNvSpPr>
+            <a:spLocks noGrp="1"/>
+          </p:cNvSpPr>
+          <p:nvPr>
+            <p:ph type="body" sz="quarter" idx="10"/>
+          </p:nvPr>
+        </p:nvSpPr>
+        <p:spPr>
+          <a:xfrm>
+            <a:off x="586390" y="1434370"/>
+            <a:ext cx="11018520" cy="2215991"/>
+          </a:xfrm>
+        </p:spPr>
+        <p:txBody>
+          <a:bodyPr/>
+          <a:lstStyle/>
+          <a:p>
+            <a:r>
+              <a:rPr lang="en-US" sz="3600" dirty="0"/>
+              <a:t>Continuous delivery is an approach where teams release quality products frequently and predictably from source code repository to production in an automated fashion.</a:t>
+            </a:r>
+            <a:endParaRPr lang="LID4096" sz="5400" dirty="0"/>
+          </a:p>
+        </p:txBody>
+      </p:sp>
+    </p:spTree>
+    <p:extLst>
+      <p:ext uri="{BB962C8B-B14F-4D97-AF65-F5344CB8AC3E}">
+        <p14:creationId xmlns:p14="http://schemas.microsoft.com/office/powerpoint/2010/main" val="1667253625"/>
+      </p:ext>
+    </p:extLst>
+  </p:cSld>
+  <p:clrMapOvr>
+    <a:masterClrMapping/>
+  </p:clrMapOvr>
+  <p:transition>
+    <p:fade/>
+  </p:transition>
+</p:sld>
+</file>
+
+<file path=ppt/slides/slide21.xml><?xml version="1.0" encoding="utf-8"?>
+<p:sld xmlns:a="http://schemas.openxmlformats.org/drawingml/2006/main" xmlns:r="http://schemas.openxmlformats.org/officeDocument/2006/relationships" xmlns:p="http://schemas.openxmlformats.org/presentationml/2006/main">
+  <p:cSld>
+    <p:spTree>
+      <p:nvGrpSpPr>
+        <p:cNvPr id="1" name=""/>
+        <p:cNvGrpSpPr/>
+        <p:nvPr/>
+      </p:nvGrpSpPr>
+      <p:grpSpPr>
+        <a:xfrm>
+          <a:off x="0" y="0"/>
+          <a:ext cx="0" cy="0"/>
+          <a:chOff x="0" y="0"/>
+          <a:chExt cx="0" cy="0"/>
+        </a:xfrm>
+      </p:grpSpPr>
+      <p:sp>
+        <p:nvSpPr>
+          <p:cNvPr id="4" name="Title 3">
+            <a:extLst>
+              <a:ext uri="{FF2B5EF4-FFF2-40B4-BE49-F238E27FC236}">
                 <a16:creationId xmlns:a16="http://schemas.microsoft.com/office/drawing/2014/main" id="{8F4CD295-49EE-4CBF-ADFC-ED2918059B09}"/>
               </a:ext>
             </a:extLst>
@@ -20872,6 +21050,81 @@
           <a:p>
             <a:r>
               <a:rPr lang="da-DK" dirty="0" err="1"/>
+              <a:t>Continuous</a:t>
+            </a:r>
+            <a:r>
+              <a:rPr lang="da-DK" dirty="0"/>
+              <a:t> Deployment</a:t>
+            </a:r>
+            <a:endParaRPr lang="LID4096" dirty="0"/>
+          </a:p>
+        </p:txBody>
+      </p:sp>
+    </p:spTree>
+    <p:extLst>
+      <p:ext uri="{BB962C8B-B14F-4D97-AF65-F5344CB8AC3E}">
+        <p14:creationId xmlns:p14="http://schemas.microsoft.com/office/powerpoint/2010/main" val="477559964"/>
+      </p:ext>
+    </p:extLst>
+  </p:cSld>
+  <p:clrMapOvr>
+    <a:masterClrMapping/>
+  </p:clrMapOvr>
+  <mc:AlternateContent xmlns:mc="http://schemas.openxmlformats.org/markup-compatibility/2006" xmlns:p14="http://schemas.microsoft.com/office/powerpoint/2010/main">
+    <mc:Choice Requires="p14">
+      <p:transition spd="med" p14:dur="700">
+        <p:fade/>
+      </p:transition>
+    </mc:Choice>
+    <mc:Fallback xmlns="">
+      <p:transition spd="med">
+        <p:fade/>
+      </p:transition>
+    </mc:Fallback>
+  </mc:AlternateContent>
+</p:sld>
+</file>
+
+<file path=ppt/slides/slide22.xml><?xml version="1.0" encoding="utf-8"?>
+<p:sld xmlns:a="http://schemas.openxmlformats.org/drawingml/2006/main" xmlns:r="http://schemas.openxmlformats.org/officeDocument/2006/relationships" xmlns:p="http://schemas.openxmlformats.org/presentationml/2006/main">
+  <p:cSld>
+    <p:spTree>
+      <p:nvGrpSpPr>
+        <p:cNvPr id="1" name=""/>
+        <p:cNvGrpSpPr/>
+        <p:nvPr/>
+      </p:nvGrpSpPr>
+      <p:grpSpPr>
+        <a:xfrm>
+          <a:off x="0" y="0"/>
+          <a:ext cx="0" cy="0"/>
+          <a:chOff x="0" y="0"/>
+          <a:chExt cx="0" cy="0"/>
+        </a:xfrm>
+      </p:grpSpPr>
+      <p:sp>
+        <p:nvSpPr>
+          <p:cNvPr id="4" name="Title 3">
+            <a:extLst>
+              <a:ext uri="{FF2B5EF4-FFF2-40B4-BE49-F238E27FC236}">
+                <a16:creationId xmlns:a16="http://schemas.microsoft.com/office/drawing/2014/main" id="{8F4CD295-49EE-4CBF-ADFC-ED2918059B09}"/>
+              </a:ext>
+            </a:extLst>
+          </p:cNvPr>
+          <p:cNvSpPr>
+            <a:spLocks noGrp="1"/>
+          </p:cNvSpPr>
+          <p:nvPr>
+            <p:ph type="title"/>
+          </p:nvPr>
+        </p:nvSpPr>
+        <p:spPr/>
+        <p:txBody>
+          <a:bodyPr/>
+          <a:lstStyle/>
+          <a:p>
+            <a:r>
+              <a:rPr lang="da-DK" dirty="0" err="1"/>
               <a:t>Infrastructure</a:t>
             </a:r>
             <a:r>
@@ -20892,13 +21145,13 @@
   <p:clrMapOvr>
     <a:masterClrMapping/>
   </p:clrMapOvr>
-  <mc:AlternateContent xmlns:mc="http://schemas.openxmlformats.org/markup-compatibility/2006">
-    <mc:Choice xmlns:p14="http://schemas.microsoft.com/office/powerpoint/2010/main" Requires="p14">
+  <mc:AlternateContent xmlns:mc="http://schemas.openxmlformats.org/markup-compatibility/2006" xmlns:p14="http://schemas.microsoft.com/office/powerpoint/2010/main">
+    <mc:Choice Requires="p14">
       <p:transition spd="med" p14:dur="700">
         <p:fade/>
       </p:transition>
     </mc:Choice>
-    <mc:Fallback>
+    <mc:Fallback xmlns="">
       <p:transition spd="med">
         <p:fade/>
       </p:transition>
@@ -20907,7 +21160,7 @@
 </p:sld>
 </file>
 
-<file path=ppt/slides/slide21.xml><?xml version="1.0" encoding="utf-8"?>
+<file path=ppt/slides/slide23.xml><?xml version="1.0" encoding="utf-8"?>
 <p:sld xmlns:a="http://schemas.openxmlformats.org/drawingml/2006/main" xmlns:r="http://schemas.openxmlformats.org/officeDocument/2006/relationships" xmlns:p="http://schemas.openxmlformats.org/presentationml/2006/main">
   <p:cSld>
     <p:bg>
@@ -21178,7 +21431,7 @@
 </p:sld>
 </file>
 
-<file path=ppt/slides/slide22.xml><?xml version="1.0" encoding="utf-8"?>
+<file path=ppt/slides/slide24.xml><?xml version="1.0" encoding="utf-8"?>
 <p:sld xmlns:a="http://schemas.openxmlformats.org/drawingml/2006/main" xmlns:r="http://schemas.openxmlformats.org/officeDocument/2006/relationships" xmlns:p="http://schemas.openxmlformats.org/presentationml/2006/main">
   <p:cSld>
     <p:spTree>
@@ -21341,7 +21594,7 @@
 </p:sld>
 </file>
 
-<file path=ppt/slides/slide23.xml><?xml version="1.0" encoding="utf-8"?>
+<file path=ppt/slides/slide25.xml><?xml version="1.0" encoding="utf-8"?>
 <p:sld xmlns:a="http://schemas.openxmlformats.org/drawingml/2006/main" xmlns:r="http://schemas.openxmlformats.org/officeDocument/2006/relationships" xmlns:p="http://schemas.openxmlformats.org/presentationml/2006/main">
   <p:cSld>
     <p:spTree>
@@ -21446,13 +21699,13 @@
   <p:clrMapOvr>
     <a:masterClrMapping/>
   </p:clrMapOvr>
-  <mc:AlternateContent xmlns:mc="http://schemas.openxmlformats.org/markup-compatibility/2006">
-    <mc:Choice xmlns:p14="http://schemas.microsoft.com/office/powerpoint/2010/main" Requires="p14">
+  <mc:AlternateContent xmlns:mc="http://schemas.openxmlformats.org/markup-compatibility/2006" xmlns:p14="http://schemas.microsoft.com/office/powerpoint/2010/main">
+    <mc:Choice Requires="p14">
       <p:transition spd="med" p14:dur="700">
         <p:fade/>
       </p:transition>
     </mc:Choice>
-    <mc:Fallback>
+    <mc:Fallback xmlns="">
       <p:transition spd="med">
         <p:fade/>
       </p:transition>
@@ -21501,7 +21754,11 @@
           <a:p>
             <a:r>
               <a:rPr lang="da-DK" dirty="0"/>
-              <a:t>DevOps</a:t>
+              <a:t>Security </a:t>
+            </a:r>
+            <a:r>
+              <a:rPr lang="da-DK" dirty="0" err="1"/>
+              <a:t>Recap</a:t>
             </a:r>
             <a:endParaRPr lang="LID4096" dirty="0"/>
           </a:p>
@@ -21510,7 +21767,7 @@
     </p:spTree>
     <p:extLst>
       <p:ext uri="{BB962C8B-B14F-4D97-AF65-F5344CB8AC3E}">
-        <p14:creationId xmlns:p14="http://schemas.microsoft.com/office/powerpoint/2010/main" val="3610987012"/>
+        <p14:creationId xmlns:p14="http://schemas.microsoft.com/office/powerpoint/2010/main" val="918913893"/>
       </p:ext>
     </p:extLst>
   </p:cSld>
@@ -21551,6 +21808,295 @@
       </p:grpSpPr>
       <p:sp>
         <p:nvSpPr>
+          <p:cNvPr id="6" name="TextBox 5">
+            <a:extLst>
+              <a:ext uri="{FF2B5EF4-FFF2-40B4-BE49-F238E27FC236}">
+                <a16:creationId xmlns:a16="http://schemas.microsoft.com/office/drawing/2014/main" id="{7F614520-DF90-4204-921E-94F4728D94E8}"/>
+              </a:ext>
+            </a:extLst>
+          </p:cNvPr>
+          <p:cNvSpPr txBox="1"/>
+          <p:nvPr/>
+        </p:nvSpPr>
+        <p:spPr>
+          <a:xfrm>
+            <a:off x="584200" y="3535540"/>
+            <a:ext cx="4162425" cy="2733497"/>
+          </a:xfrm>
+          <a:prstGeom prst="rect">
+            <a:avLst/>
+          </a:prstGeom>
+        </p:spPr>
+        <p:txBody>
+          <a:bodyPr vert="horz" wrap="square" lIns="0" tIns="0" rIns="0" bIns="0" rtlCol="0" anchor="b">
+            <a:normAutofit/>
+          </a:bodyPr>
+          <a:lstStyle/>
+          <a:p>
+            <a:pPr defTabSz="932742">
+              <a:spcBef>
+                <a:spcPct val="20000"/>
+              </a:spcBef>
+              <a:buSzPct val="90000"/>
+            </a:pPr>
+            <a:r>
+              <a:rPr lang="en-US" sz="2200" kern="1200" spc="0" baseline="0" dirty="0">
+                <a:gradFill>
+                  <a:gsLst>
+                    <a:gs pos="1250">
+                      <a:schemeClr val="tx1"/>
+                    </a:gs>
+                    <a:gs pos="100000">
+                      <a:schemeClr val="tx1"/>
+                    </a:gs>
+                  </a:gsLst>
+                  <a:lin ang="5400000" scaled="0"/>
+                </a:gradFill>
+                <a:latin typeface="+mn-lt"/>
+                <a:ea typeface="+mn-ea"/>
+                <a:cs typeface="Segoe UI" panose="020B0502040204020203" pitchFamily="34" charset="0"/>
+              </a:rPr>
+              <a:t>Source: </a:t>
+            </a:r>
+            <a:r>
+              <a:rPr lang="en-US" sz="2200" kern="1200" spc="0" baseline="0" dirty="0">
+                <a:gradFill>
+                  <a:gsLst>
+                    <a:gs pos="1250">
+                      <a:schemeClr val="tx1"/>
+                    </a:gs>
+                    <a:gs pos="100000">
+                      <a:schemeClr val="tx1"/>
+                    </a:gs>
+                  </a:gsLst>
+                  <a:lin ang="5400000" scaled="0"/>
+                </a:gradFill>
+                <a:latin typeface="+mn-lt"/>
+                <a:ea typeface="+mn-ea"/>
+                <a:cs typeface="Segoe UI" panose="020B0502040204020203" pitchFamily="34" charset="0"/>
+                <a:hlinkClick r:id="rId2"/>
+              </a:rPr>
+              <a:t>http://keepcalm-o-matic.co.uk/p/keep-calm-and-rtfm-123</a:t>
+            </a:r>
+            <a:r>
+              <a:rPr lang="en-US" sz="2200" kern="1200" spc="0" baseline="0" dirty="0">
+                <a:gradFill>
+                  <a:gsLst>
+                    <a:gs pos="1250">
+                      <a:schemeClr val="tx1"/>
+                    </a:gs>
+                    <a:gs pos="100000">
+                      <a:schemeClr val="tx1"/>
+                    </a:gs>
+                  </a:gsLst>
+                  <a:lin ang="5400000" scaled="0"/>
+                </a:gradFill>
+                <a:latin typeface="+mn-lt"/>
+                <a:ea typeface="+mn-ea"/>
+                <a:cs typeface="Segoe UI" panose="020B0502040204020203" pitchFamily="34" charset="0"/>
+              </a:rPr>
+              <a:t> </a:t>
+            </a:r>
+          </a:p>
+        </p:txBody>
+      </p:sp>
+      <p:pic>
+        <p:nvPicPr>
+          <p:cNvPr id="1026" name="Picture 2" descr="KEEP CALM AND  RTFM">
+            <a:extLst>
+              <a:ext uri="{FF2B5EF4-FFF2-40B4-BE49-F238E27FC236}">
+                <a16:creationId xmlns:a16="http://schemas.microsoft.com/office/drawing/2014/main" id="{5111BED5-2D0F-4921-A3D9-2E434A2A00E7}"/>
+              </a:ext>
+            </a:extLst>
+          </p:cNvPr>
+          <p:cNvPicPr>
+            <a:picLocks noChangeAspect="1" noChangeArrowheads="1"/>
+          </p:cNvPicPr>
+          <p:nvPr/>
+        </p:nvPicPr>
+        <p:blipFill>
+          <a:blip r:embed="rId3">
+            <a:extLst>
+              <a:ext uri="{28A0092B-C50C-407E-A947-70E740481C1C}">
+                <a14:useLocalDpi xmlns:a14="http://schemas.microsoft.com/office/drawing/2010/main" val="0"/>
+              </a:ext>
+            </a:extLst>
+          </a:blip>
+          <a:stretch>
+            <a:fillRect/>
+          </a:stretch>
+        </p:blipFill>
+        <p:spPr bwMode="auto">
+          <a:xfrm>
+            <a:off x="5822633" y="0"/>
+            <a:ext cx="5880734" cy="6858000"/>
+          </a:xfrm>
+          <a:prstGeom prst="rect">
+            <a:avLst/>
+          </a:prstGeom>
+          <a:solidFill>
+            <a:srgbClr val="FFFFFF"/>
+          </a:solidFill>
+          <a:extLst>
+            <a:ext uri="{909E8E84-426E-40DD-AFC4-6F175D3DCCD1}">
+              <a14:hiddenFill xmlns:a14="http://schemas.microsoft.com/office/drawing/2010/main">
+                <a:solidFill>
+                  <a:srgbClr val="FFFFFF"/>
+                </a:solidFill>
+              </a14:hiddenFill>
+            </a:ext>
+          </a:extLst>
+        </p:spPr>
+      </p:pic>
+      <p:sp>
+        <p:nvSpPr>
+          <p:cNvPr id="3" name="Title 2">
+            <a:extLst>
+              <a:ext uri="{FF2B5EF4-FFF2-40B4-BE49-F238E27FC236}">
+                <a16:creationId xmlns:a16="http://schemas.microsoft.com/office/drawing/2014/main" id="{D49FB89D-B96E-405D-ACB5-746DD0C81AB6}"/>
+              </a:ext>
+            </a:extLst>
+          </p:cNvPr>
+          <p:cNvSpPr>
+            <a:spLocks noGrp="1"/>
+          </p:cNvSpPr>
+          <p:nvPr>
+            <p:ph type="title"/>
+          </p:nvPr>
+        </p:nvSpPr>
+        <p:spPr>
+          <a:xfrm>
+            <a:off x="588263" y="588963"/>
+            <a:ext cx="4158362" cy="2535236"/>
+          </a:xfrm>
+        </p:spPr>
+        <p:txBody>
+          <a:bodyPr vert="horz" wrap="square" lIns="0" tIns="0" rIns="0" bIns="0" rtlCol="0" anchor="b">
+            <a:normAutofit/>
+          </a:bodyPr>
+          <a:lstStyle/>
+          <a:p>
+            <a:r>
+              <a:rPr lang="en-US" b="0" kern="1200" cap="none" spc="-50" baseline="0" dirty="0">
+                <a:ln w="3175">
+                  <a:noFill/>
+                </a:ln>
+                <a:effectLst/>
+                <a:latin typeface="+mj-lt"/>
+                <a:ea typeface="+mn-ea"/>
+                <a:cs typeface="Segoe UI" pitchFamily="34" charset="0"/>
+              </a:rPr>
+              <a:t>When in doubt; read the docs!</a:t>
+            </a:r>
+          </a:p>
+        </p:txBody>
+      </p:sp>
+    </p:spTree>
+    <p:extLst>
+      <p:ext uri="{BB962C8B-B14F-4D97-AF65-F5344CB8AC3E}">
+        <p14:creationId xmlns:p14="http://schemas.microsoft.com/office/powerpoint/2010/main" val="1120470260"/>
+      </p:ext>
+    </p:extLst>
+  </p:cSld>
+  <p:clrMapOvr>
+    <a:masterClrMapping/>
+  </p:clrMapOvr>
+  <p:transition>
+    <p:fade/>
+  </p:transition>
+</p:sld>
+</file>
+
+<file path=ppt/slides/slide5.xml><?xml version="1.0" encoding="utf-8"?>
+<p:sld xmlns:a="http://schemas.openxmlformats.org/drawingml/2006/main" xmlns:r="http://schemas.openxmlformats.org/officeDocument/2006/relationships" xmlns:p="http://schemas.openxmlformats.org/presentationml/2006/main">
+  <p:cSld>
+    <p:spTree>
+      <p:nvGrpSpPr>
+        <p:cNvPr id="1" name=""/>
+        <p:cNvGrpSpPr/>
+        <p:nvPr/>
+      </p:nvGrpSpPr>
+      <p:grpSpPr>
+        <a:xfrm>
+          <a:off x="0" y="0"/>
+          <a:ext cx="0" cy="0"/>
+          <a:chOff x="0" y="0"/>
+          <a:chExt cx="0" cy="0"/>
+        </a:xfrm>
+      </p:grpSpPr>
+      <p:sp>
+        <p:nvSpPr>
+          <p:cNvPr id="4" name="Title 3">
+            <a:extLst>
+              <a:ext uri="{FF2B5EF4-FFF2-40B4-BE49-F238E27FC236}">
+                <a16:creationId xmlns:a16="http://schemas.microsoft.com/office/drawing/2014/main" id="{8F4CD295-49EE-4CBF-ADFC-ED2918059B09}"/>
+              </a:ext>
+            </a:extLst>
+          </p:cNvPr>
+          <p:cNvSpPr>
+            <a:spLocks noGrp="1"/>
+          </p:cNvSpPr>
+          <p:nvPr>
+            <p:ph type="title"/>
+          </p:nvPr>
+        </p:nvSpPr>
+        <p:spPr/>
+        <p:txBody>
+          <a:bodyPr/>
+          <a:lstStyle/>
+          <a:p>
+            <a:r>
+              <a:rPr lang="da-DK" dirty="0"/>
+              <a:t>DevOps</a:t>
+            </a:r>
+            <a:endParaRPr lang="LID4096" dirty="0"/>
+          </a:p>
+        </p:txBody>
+      </p:sp>
+    </p:spTree>
+    <p:extLst>
+      <p:ext uri="{BB962C8B-B14F-4D97-AF65-F5344CB8AC3E}">
+        <p14:creationId xmlns:p14="http://schemas.microsoft.com/office/powerpoint/2010/main" val="3610987012"/>
+      </p:ext>
+    </p:extLst>
+  </p:cSld>
+  <p:clrMapOvr>
+    <a:masterClrMapping/>
+  </p:clrMapOvr>
+  <mc:AlternateContent xmlns:mc="http://schemas.openxmlformats.org/markup-compatibility/2006" xmlns:p14="http://schemas.microsoft.com/office/powerpoint/2010/main">
+    <mc:Choice Requires="p14">
+      <p:transition spd="med" p14:dur="700">
+        <p:fade/>
+      </p:transition>
+    </mc:Choice>
+    <mc:Fallback xmlns="">
+      <p:transition spd="med">
+        <p:fade/>
+      </p:transition>
+    </mc:Fallback>
+  </mc:AlternateContent>
+</p:sld>
+</file>
+
+<file path=ppt/slides/slide6.xml><?xml version="1.0" encoding="utf-8"?>
+<p:sld xmlns:a="http://schemas.openxmlformats.org/drawingml/2006/main" xmlns:r="http://schemas.openxmlformats.org/officeDocument/2006/relationships" xmlns:p="http://schemas.openxmlformats.org/presentationml/2006/main">
+  <p:cSld>
+    <p:spTree>
+      <p:nvGrpSpPr>
+        <p:cNvPr id="1" name=""/>
+        <p:cNvGrpSpPr/>
+        <p:nvPr/>
+      </p:nvGrpSpPr>
+      <p:grpSpPr>
+        <a:xfrm>
+          <a:off x="0" y="0"/>
+          <a:ext cx="0" cy="0"/>
+          <a:chOff x="0" y="0"/>
+          <a:chExt cx="0" cy="0"/>
+        </a:xfrm>
+      </p:grpSpPr>
+      <p:sp>
+        <p:nvSpPr>
           <p:cNvPr id="4" name="Title 3">
             <a:extLst>
               <a:ext uri="{FF2B5EF4-FFF2-40B4-BE49-F238E27FC236}">
@@ -21685,7 +22231,7 @@
 </p:sld>
 </file>
 
-<file path=ppt/slides/slide5.xml><?xml version="1.0" encoding="utf-8"?>
+<file path=ppt/slides/slide7.xml><?xml version="1.0" encoding="utf-8"?>
 <p:sld xmlns:a="http://schemas.openxmlformats.org/drawingml/2006/main" xmlns:r="http://schemas.openxmlformats.org/officeDocument/2006/relationships" xmlns:p="http://schemas.openxmlformats.org/presentationml/2006/main">
   <p:cSld>
     <p:bg>
@@ -21900,201 +22446,6 @@
 </p:sld>
 </file>
 
-<file path=ppt/slides/slide6.xml><?xml version="1.0" encoding="utf-8"?>
-<p:sld xmlns:a="http://schemas.openxmlformats.org/drawingml/2006/main" xmlns:r="http://schemas.openxmlformats.org/officeDocument/2006/relationships" xmlns:p="http://schemas.openxmlformats.org/presentationml/2006/main">
-  <p:cSld>
-    <p:spTree>
-      <p:nvGrpSpPr>
-        <p:cNvPr id="1" name=""/>
-        <p:cNvGrpSpPr/>
-        <p:nvPr/>
-      </p:nvGrpSpPr>
-      <p:grpSpPr>
-        <a:xfrm>
-          <a:off x="0" y="0"/>
-          <a:ext cx="0" cy="0"/>
-          <a:chOff x="0" y="0"/>
-          <a:chExt cx="0" cy="0"/>
-        </a:xfrm>
-      </p:grpSpPr>
-      <p:sp>
-        <p:nvSpPr>
-          <p:cNvPr id="4" name="Title 3">
-            <a:extLst>
-              <a:ext uri="{FF2B5EF4-FFF2-40B4-BE49-F238E27FC236}">
-                <a16:creationId xmlns:a16="http://schemas.microsoft.com/office/drawing/2014/main" id="{8F4CD295-49EE-4CBF-ADFC-ED2918059B09}"/>
-              </a:ext>
-            </a:extLst>
-          </p:cNvPr>
-          <p:cNvSpPr>
-            <a:spLocks noGrp="1"/>
-          </p:cNvSpPr>
-          <p:nvPr>
-            <p:ph type="title"/>
-          </p:nvPr>
-        </p:nvSpPr>
-        <p:spPr/>
-        <p:txBody>
-          <a:bodyPr/>
-          <a:lstStyle/>
-          <a:p>
-            <a:r>
-              <a:rPr lang="da-DK" dirty="0" err="1"/>
-              <a:t>Continuous</a:t>
-            </a:r>
-            <a:r>
-              <a:rPr lang="da-DK" dirty="0"/>
-              <a:t> Integration</a:t>
-            </a:r>
-            <a:endParaRPr lang="LID4096" dirty="0"/>
-          </a:p>
-        </p:txBody>
-      </p:sp>
-    </p:spTree>
-    <p:extLst>
-      <p:ext uri="{BB962C8B-B14F-4D97-AF65-F5344CB8AC3E}">
-        <p14:creationId xmlns:p14="http://schemas.microsoft.com/office/powerpoint/2010/main" val="2423857855"/>
-      </p:ext>
-    </p:extLst>
-  </p:cSld>
-  <p:clrMapOvr>
-    <a:masterClrMapping/>
-  </p:clrMapOvr>
-  <mc:AlternateContent xmlns:mc="http://schemas.openxmlformats.org/markup-compatibility/2006">
-    <mc:Choice xmlns:p14="http://schemas.microsoft.com/office/powerpoint/2010/main" Requires="p14">
-      <p:transition spd="med" p14:dur="700">
-        <p:fade/>
-      </p:transition>
-    </mc:Choice>
-    <mc:Fallback>
-      <p:transition spd="med">
-        <p:fade/>
-      </p:transition>
-    </mc:Fallback>
-  </mc:AlternateContent>
-</p:sld>
-</file>
-
-<file path=ppt/slides/slide7.xml><?xml version="1.0" encoding="utf-8"?>
-<p:sld xmlns:a="http://schemas.openxmlformats.org/drawingml/2006/main" xmlns:r="http://schemas.openxmlformats.org/officeDocument/2006/relationships" xmlns:p="http://schemas.openxmlformats.org/presentationml/2006/main">
-  <p:cSld>
-    <p:spTree>
-      <p:nvGrpSpPr>
-        <p:cNvPr id="1" name=""/>
-        <p:cNvGrpSpPr/>
-        <p:nvPr/>
-      </p:nvGrpSpPr>
-      <p:grpSpPr>
-        <a:xfrm>
-          <a:off x="0" y="0"/>
-          <a:ext cx="0" cy="0"/>
-          <a:chOff x="0" y="0"/>
-          <a:chExt cx="0" cy="0"/>
-        </a:xfrm>
-      </p:grpSpPr>
-      <p:sp>
-        <p:nvSpPr>
-          <p:cNvPr id="4" name="Title 3">
-            <a:extLst>
-              <a:ext uri="{FF2B5EF4-FFF2-40B4-BE49-F238E27FC236}">
-                <a16:creationId xmlns:a16="http://schemas.microsoft.com/office/drawing/2014/main" id="{888BC302-C6AE-44FD-8606-627D97EE22DF}"/>
-              </a:ext>
-            </a:extLst>
-          </p:cNvPr>
-          <p:cNvSpPr>
-            <a:spLocks noGrp="1"/>
-          </p:cNvSpPr>
-          <p:nvPr>
-            <p:ph type="title"/>
-          </p:nvPr>
-        </p:nvSpPr>
-        <p:spPr/>
-        <p:txBody>
-          <a:bodyPr/>
-          <a:lstStyle/>
-          <a:p>
-            <a:r>
-              <a:rPr lang="da-DK" dirty="0" err="1"/>
-              <a:t>Continuous</a:t>
-            </a:r>
-            <a:r>
-              <a:rPr lang="da-DK" dirty="0"/>
-              <a:t> Integration</a:t>
-            </a:r>
-            <a:endParaRPr lang="LID4096" dirty="0"/>
-          </a:p>
-        </p:txBody>
-      </p:sp>
-      <p:sp>
-        <p:nvSpPr>
-          <p:cNvPr id="5" name="Text Placeholder 4">
-            <a:extLst>
-              <a:ext uri="{FF2B5EF4-FFF2-40B4-BE49-F238E27FC236}">
-                <a16:creationId xmlns:a16="http://schemas.microsoft.com/office/drawing/2014/main" id="{29540690-A8C4-4672-BF91-1D0FC873A28E}"/>
-              </a:ext>
-            </a:extLst>
-          </p:cNvPr>
-          <p:cNvSpPr>
-            <a:spLocks noGrp="1"/>
-          </p:cNvSpPr>
-          <p:nvPr>
-            <p:ph type="body" sz="quarter" idx="10"/>
-          </p:nvPr>
-        </p:nvSpPr>
-        <p:spPr>
-          <a:xfrm>
-            <a:off x="586390" y="1434370"/>
-            <a:ext cx="11018520" cy="2769989"/>
-          </a:xfrm>
-        </p:spPr>
-        <p:txBody>
-          <a:bodyPr/>
-          <a:lstStyle/>
-          <a:p>
-            <a:r>
-              <a:rPr lang="en-US" sz="3600" b="1" dirty="0"/>
-              <a:t>Continuous integration</a:t>
-            </a:r>
-            <a:r>
-              <a:rPr lang="en-US" sz="3600" dirty="0"/>
-              <a:t> (CI) is the practice of automating the </a:t>
-            </a:r>
-            <a:r>
-              <a:rPr lang="en-US" sz="3600" b="1" dirty="0"/>
-              <a:t>integration</a:t>
-            </a:r>
-            <a:r>
-              <a:rPr lang="en-US" sz="3600" dirty="0"/>
-              <a:t> of code changes from multiple contributors into a single software project. The CI process is comprised of automatic tools that assert the new code's correctness before </a:t>
-            </a:r>
-            <a:r>
-              <a:rPr lang="en-US" sz="3600" b="1" dirty="0"/>
-              <a:t>integration</a:t>
-            </a:r>
-            <a:r>
-              <a:rPr lang="en-US" sz="3600" dirty="0"/>
-              <a:t>.</a:t>
-            </a:r>
-            <a:endParaRPr lang="LID4096" sz="3600" dirty="0"/>
-          </a:p>
-        </p:txBody>
-      </p:sp>
-    </p:spTree>
-    <p:extLst>
-      <p:ext uri="{BB962C8B-B14F-4D97-AF65-F5344CB8AC3E}">
-        <p14:creationId xmlns:p14="http://schemas.microsoft.com/office/powerpoint/2010/main" val="455330862"/>
-      </p:ext>
-    </p:extLst>
-  </p:cSld>
-  <p:clrMapOvr>
-    <a:masterClrMapping/>
-  </p:clrMapOvr>
-  <p:transition>
-    <p:fade/>
-  </p:transition>
-</p:sld>
-</file>
-
 <file path=ppt/slides/slide8.xml><?xml version="1.0" encoding="utf-8"?>
 <p:sld xmlns:a="http://schemas.openxmlformats.org/drawingml/2006/main" xmlns:r="http://schemas.openxmlformats.org/officeDocument/2006/relationships" xmlns:p="http://schemas.openxmlformats.org/presentationml/2006/main">
   <p:cSld>
@@ -22135,19 +22486,11 @@
           <a:p>
             <a:r>
               <a:rPr lang="da-DK" dirty="0" err="1"/>
-              <a:t>Trunk</a:t>
+              <a:t>Continuous</a:t>
             </a:r>
             <a:r>
               <a:rPr lang="da-DK" dirty="0"/>
-              <a:t> </a:t>
-            </a:r>
-            <a:r>
-              <a:rPr lang="da-DK" dirty="0" err="1"/>
-              <a:t>Based</a:t>
-            </a:r>
-            <a:r>
-              <a:rPr lang="da-DK" dirty="0"/>
-              <a:t> Development</a:t>
+              <a:t> Integration</a:t>
             </a:r>
             <a:endParaRPr lang="LID4096" dirty="0"/>
           </a:p>
@@ -22156,20 +22499,20 @@
     </p:spTree>
     <p:extLst>
       <p:ext uri="{BB962C8B-B14F-4D97-AF65-F5344CB8AC3E}">
-        <p14:creationId xmlns:p14="http://schemas.microsoft.com/office/powerpoint/2010/main" val="1001365955"/>
+        <p14:creationId xmlns:p14="http://schemas.microsoft.com/office/powerpoint/2010/main" val="2423857855"/>
       </p:ext>
     </p:extLst>
   </p:cSld>
   <p:clrMapOvr>
     <a:masterClrMapping/>
   </p:clrMapOvr>
-  <mc:AlternateContent xmlns:mc="http://schemas.openxmlformats.org/markup-compatibility/2006">
-    <mc:Choice xmlns:p14="http://schemas.microsoft.com/office/powerpoint/2010/main" Requires="p14">
+  <mc:AlternateContent xmlns:mc="http://schemas.openxmlformats.org/markup-compatibility/2006" xmlns:p14="http://schemas.microsoft.com/office/powerpoint/2010/main">
+    <mc:Choice Requires="p14">
       <p:transition spd="med" p14:dur="700">
         <p:fade/>
       </p:transition>
     </mc:Choice>
-    <mc:Fallback>
+    <mc:Fallback xmlns="">
       <p:transition spd="med">
         <p:fade/>
       </p:transition>
@@ -22197,10 +22540,10 @@
       </p:grpSpPr>
       <p:sp>
         <p:nvSpPr>
-          <p:cNvPr id="2" name="Title 1">
+          <p:cNvPr id="4" name="Title 3">
             <a:extLst>
               <a:ext uri="{FF2B5EF4-FFF2-40B4-BE49-F238E27FC236}">
-                <a16:creationId xmlns:a16="http://schemas.microsoft.com/office/drawing/2014/main" id="{B3CBDC90-0005-423F-A1DA-86B2EA520E90}"/>
+                <a16:creationId xmlns:a16="http://schemas.microsoft.com/office/drawing/2014/main" id="{888BC302-C6AE-44FD-8606-627D97EE22DF}"/>
               </a:ext>
             </a:extLst>
           </p:cNvPr>
@@ -22218,19 +22561,11 @@
           <a:p>
             <a:r>
               <a:rPr lang="da-DK" dirty="0" err="1"/>
-              <a:t>Trunk</a:t>
+              <a:t>Continuous</a:t>
             </a:r>
             <a:r>
               <a:rPr lang="da-DK" dirty="0"/>
-              <a:t> </a:t>
-            </a:r>
-            <a:r>
-              <a:rPr lang="da-DK" dirty="0" err="1"/>
-              <a:t>Based</a:t>
-            </a:r>
-            <a:r>
-              <a:rPr lang="da-DK" dirty="0"/>
-              <a:t> Development</a:t>
+              <a:t> Integration</a:t>
             </a:r>
             <a:endParaRPr lang="LID4096" dirty="0"/>
           </a:p>
@@ -22238,10 +22573,10 @@
       </p:sp>
       <p:sp>
         <p:nvSpPr>
-          <p:cNvPr id="3" name="Text Placeholder 2">
+          <p:cNvPr id="5" name="Text Placeholder 4">
             <a:extLst>
               <a:ext uri="{FF2B5EF4-FFF2-40B4-BE49-F238E27FC236}">
-                <a16:creationId xmlns:a16="http://schemas.microsoft.com/office/drawing/2014/main" id="{90B7B7DE-AE5D-4765-960E-08186E058DA7}"/>
+                <a16:creationId xmlns:a16="http://schemas.microsoft.com/office/drawing/2014/main" id="{29540690-A8C4-4672-BF91-1D0FC873A28E}"/>
               </a:ext>
             </a:extLst>
           </p:cNvPr>
@@ -22255,7 +22590,7 @@
         <p:spPr>
           <a:xfrm>
             <a:off x="586390" y="1434370"/>
-            <a:ext cx="11018520" cy="3188565"/>
+            <a:ext cx="11018520" cy="2769989"/>
           </a:xfrm>
         </p:spPr>
         <p:txBody>
@@ -22263,75 +22598,37 @@
           <a:lstStyle/>
           <a:p>
             <a:r>
-              <a:rPr lang="en-US" dirty="0"/>
-              <a:t>A source-control branching model, where developers collaborate on code in a single branch called ‘trunk’ *, resist any pressure to create other long-lived development branches by employing documented techniques. They therefore avoid merge hell, do not break the build, and live happily ever after.</a:t>
-            </a:r>
-          </a:p>
-          <a:p>
-            <a:endParaRPr lang="en-US" dirty="0"/>
-          </a:p>
-          <a:p>
-            <a:r>
-              <a:rPr lang="da-DK" dirty="0"/>
-              <a:t>* master, in Git </a:t>
-            </a:r>
-            <a:r>
-              <a:rPr lang="da-DK" dirty="0" err="1"/>
-              <a:t>nomenclature</a:t>
-            </a:r>
-            <a:endParaRPr lang="da-DK" dirty="0"/>
-          </a:p>
-        </p:txBody>
-      </p:sp>
-      <p:sp>
-        <p:nvSpPr>
-          <p:cNvPr id="4" name="Rectangle 3">
-            <a:extLst>
-              <a:ext uri="{FF2B5EF4-FFF2-40B4-BE49-F238E27FC236}">
-                <a16:creationId xmlns:a16="http://schemas.microsoft.com/office/drawing/2014/main" id="{860DE467-F63F-4873-92DF-67E51D0CC2D8}"/>
-              </a:ext>
-            </a:extLst>
-          </p:cNvPr>
-          <p:cNvSpPr/>
-          <p:nvPr/>
-        </p:nvSpPr>
-        <p:spPr>
-          <a:xfrm>
-            <a:off x="7174856" y="6178187"/>
-            <a:ext cx="4782720" cy="363946"/>
-          </a:xfrm>
-          <a:prstGeom prst="rect">
-            <a:avLst/>
-          </a:prstGeom>
-        </p:spPr>
-        <p:txBody>
-          <a:bodyPr wrap="none">
-            <a:spAutoFit/>
-          </a:bodyPr>
-          <a:lstStyle/>
-          <a:p>
-            <a:r>
-              <a:rPr lang="da-DK" dirty="0"/>
-              <a:t>Source: </a:t>
-            </a:r>
-            <a:r>
-              <a:rPr lang="da-DK" dirty="0">
-                <a:hlinkClick r:id="rId2"/>
-              </a:rPr>
-              <a:t>https://trunkbaseddevelopment.com/</a:t>
-            </a:r>
-            <a:r>
-              <a:rPr lang="da-DK" dirty="0"/>
-              <a:t> </a:t>
-            </a:r>
-            <a:endParaRPr lang="LID4096" dirty="0"/>
+              <a:rPr lang="en-US" sz="3600" b="1" dirty="0"/>
+              <a:t>Continuous integration</a:t>
+            </a:r>
+            <a:r>
+              <a:rPr lang="en-US" sz="3600" dirty="0"/>
+              <a:t> (CI) is the practice of automating the </a:t>
+            </a:r>
+            <a:r>
+              <a:rPr lang="en-US" sz="3600" b="1" dirty="0"/>
+              <a:t>integration</a:t>
+            </a:r>
+            <a:r>
+              <a:rPr lang="en-US" sz="3600" dirty="0"/>
+              <a:t> of code changes from multiple contributors into a single software project. The CI process is comprised of automatic tools that assert the new code's correctness before </a:t>
+            </a:r>
+            <a:r>
+              <a:rPr lang="en-US" sz="3600" b="1" dirty="0"/>
+              <a:t>integration</a:t>
+            </a:r>
+            <a:r>
+              <a:rPr lang="en-US" sz="3600" dirty="0"/>
+              <a:t>.</a:t>
+            </a:r>
+            <a:endParaRPr lang="LID4096" sz="3600" dirty="0"/>
           </a:p>
         </p:txBody>
       </p:sp>
     </p:spTree>
     <p:extLst>
       <p:ext uri="{BB962C8B-B14F-4D97-AF65-F5344CB8AC3E}">
-        <p14:creationId xmlns:p14="http://schemas.microsoft.com/office/powerpoint/2010/main" val="3033676717"/>
+        <p14:creationId xmlns:p14="http://schemas.microsoft.com/office/powerpoint/2010/main" val="455330862"/>
       </p:ext>
     </p:extLst>
   </p:cSld>
@@ -23497,6 +23794,23 @@
 </file>
 
 <file path=customXml/item1.xml><?xml version="1.0" encoding="utf-8"?>
+<p:properties xmlns:p="http://schemas.microsoft.com/office/2006/metadata/properties" xmlns:xsi="http://www.w3.org/2001/XMLSchema-instance" xmlns:pc="http://schemas.microsoft.com/office/infopath/2007/PartnerControls">
+  <documentManagement>
+    <MediaServiceKeyPoints xmlns="965de625-df5b-42e9-a277-2113da4f1195" xsi:nil="true"/>
+  </documentManagement>
+</p:properties>
+</file>
+
+<file path=customXml/item2.xml><?xml version="1.0" encoding="utf-8"?>
+<?mso-contentType ?>
+<FormTemplates xmlns="http://schemas.microsoft.com/sharepoint/v3/contenttype/forms">
+  <Display>DocumentLibraryForm</Display>
+  <Edit>DocumentLibraryForm</Edit>
+  <New>DocumentLibraryForm</New>
+</FormTemplates>
+</file>
+
+<file path=customXml/item3.xml><?xml version="1.0" encoding="utf-8"?>
 <ct:contentTypeSchema xmlns:ct="http://schemas.microsoft.com/office/2006/metadata/contentType" xmlns:ma="http://schemas.microsoft.com/office/2006/metadata/properties/metaAttributes" ct:_="" ma:_="" ma:contentTypeName="Document" ma:contentTypeID="0x010100BD9FAF4CD5AD2F4B99B5B2414089ABF7" ma:contentTypeVersion="14" ma:contentTypeDescription="Create a new document." ma:contentTypeScope="" ma:versionID="15419eb272c8997d22174cab72b81ac5">
   <xsd:schema xmlns:xsd="http://www.w3.org/2001/XMLSchema" xmlns:xs="http://www.w3.org/2001/XMLSchema" xmlns:p="http://schemas.microsoft.com/office/2006/metadata/properties" xmlns:ns2="dcf5ddc1-fb1d-440f-849a-6450bddbaed7" xmlns:ns3="965de625-df5b-42e9-a277-2113da4f1195" targetNamespace="http://schemas.microsoft.com/office/2006/metadata/properties" ma:root="true" ma:fieldsID="366f960d0717a06e650b8dd07cd5f805" ns2:_="" ns3:_="">
     <xsd:import namespace="dcf5ddc1-fb1d-440f-849a-6450bddbaed7"/>
@@ -23727,24 +24041,34 @@
 </ct:contentTypeSchema>
 </file>
 
-<file path=customXml/item2.xml><?xml version="1.0" encoding="utf-8"?>
-<?mso-contentType ?>
-<FormTemplates xmlns="http://schemas.microsoft.com/sharepoint/v3/contenttype/forms">
-  <Display>DocumentLibraryForm</Display>
-  <Edit>DocumentLibraryForm</Edit>
-  <New>DocumentLibraryForm</New>
-</FormTemplates>
+<file path=customXml/itemProps1.xml><?xml version="1.0" encoding="utf-8"?>
+<ds:datastoreItem xmlns:ds="http://schemas.openxmlformats.org/officeDocument/2006/customXml" ds:itemID="{F990F116-B58F-4255-B05B-DA3808E0E5C6}">
+  <ds:schemaRefs>
+    <ds:schemaRef ds:uri="http://purl.org/dc/elements/1.1/"/>
+    <ds:schemaRef ds:uri="http://schemas.microsoft.com/office/2006/metadata/properties"/>
+    <ds:schemaRef ds:uri="e4aa919a-b200-49cb-beca-4c7e0810321e"/>
+    <ds:schemaRef ds:uri="06670dda-0291-4061-b6e0-f6c0cb392c51"/>
+    <ds:schemaRef ds:uri="http://schemas.microsoft.com/office/2006/documentManagement/types"/>
+    <ds:schemaRef ds:uri="http://schemas.microsoft.com/office/infopath/2007/PartnerControls"/>
+    <ds:schemaRef ds:uri="http://purl.org/dc/dcmitype/"/>
+    <ds:schemaRef ds:uri="http://schemas.microsoft.com/sharepoint/v3"/>
+    <ds:schemaRef ds:uri="http://schemas.openxmlformats.org/package/2006/metadata/core-properties"/>
+    <ds:schemaRef ds:uri="http://www.w3.org/XML/1998/namespace"/>
+    <ds:schemaRef ds:uri="http://purl.org/dc/terms/"/>
+    <ds:schemaRef ds:uri="965de625-df5b-42e9-a277-2113da4f1195"/>
+  </ds:schemaRefs>
+</ds:datastoreItem>
 </file>
 
-<file path=customXml/item3.xml><?xml version="1.0" encoding="utf-8"?>
-<p:properties xmlns:p="http://schemas.microsoft.com/office/2006/metadata/properties" xmlns:xsi="http://www.w3.org/2001/XMLSchema-instance" xmlns:pc="http://schemas.microsoft.com/office/infopath/2007/PartnerControls">
-  <documentManagement>
-    <MediaServiceKeyPoints xmlns="965de625-df5b-42e9-a277-2113da4f1195" xsi:nil="true"/>
-  </documentManagement>
-</p:properties>
+<file path=customXml/itemProps2.xml><?xml version="1.0" encoding="utf-8"?>
+<ds:datastoreItem xmlns:ds="http://schemas.openxmlformats.org/officeDocument/2006/customXml" ds:itemID="{758FDAC0-319D-4A54-8D8E-1D42CB1F8004}">
+  <ds:schemaRefs>
+    <ds:schemaRef ds:uri="http://schemas.microsoft.com/sharepoint/v3/contenttype/forms"/>
+  </ds:schemaRefs>
+</ds:datastoreItem>
 </file>
 
-<file path=customXml/itemProps1.xml><?xml version="1.0" encoding="utf-8"?>
+<file path=customXml/itemProps3.xml><?xml version="1.0" encoding="utf-8"?>
 <ds:datastoreItem xmlns:ds="http://schemas.openxmlformats.org/officeDocument/2006/customXml" ds:itemID="{B28DDFE8-80D6-4A60-B5D6-41E509D3A2B4}">
   <ds:schemaRefs>
     <ds:schemaRef ds:uri="http://schemas.microsoft.com/office/2006/metadata/contentType"/>
@@ -23761,31 +24085,4 @@
     <ds:schemaRef ds:uri="http://schemas.microsoft.com/internal/obd"/>
   </ds:schemaRefs>
 </ds:datastoreItem>
-</file>
-
-<file path=customXml/itemProps2.xml><?xml version="1.0" encoding="utf-8"?>
-<ds:datastoreItem xmlns:ds="http://schemas.openxmlformats.org/officeDocument/2006/customXml" ds:itemID="{758FDAC0-319D-4A54-8D8E-1D42CB1F8004}">
-  <ds:schemaRefs>
-    <ds:schemaRef ds:uri="http://schemas.microsoft.com/sharepoint/v3/contenttype/forms"/>
-  </ds:schemaRefs>
-</ds:datastoreItem>
-</file>
-
-<file path=customXml/itemProps3.xml><?xml version="1.0" encoding="utf-8"?>
-<ds:datastoreItem xmlns:ds="http://schemas.openxmlformats.org/officeDocument/2006/customXml" ds:itemID="{F990F116-B58F-4255-B05B-DA3808E0E5C6}">
-  <ds:schemaRefs>
-    <ds:schemaRef ds:uri="http://purl.org/dc/elements/1.1/"/>
-    <ds:schemaRef ds:uri="http://schemas.microsoft.com/office/2006/metadata/properties"/>
-    <ds:schemaRef ds:uri="e4aa919a-b200-49cb-beca-4c7e0810321e"/>
-    <ds:schemaRef ds:uri="06670dda-0291-4061-b6e0-f6c0cb392c51"/>
-    <ds:schemaRef ds:uri="http://schemas.microsoft.com/office/2006/documentManagement/types"/>
-    <ds:schemaRef ds:uri="http://schemas.microsoft.com/office/infopath/2007/PartnerControls"/>
-    <ds:schemaRef ds:uri="http://purl.org/dc/dcmitype/"/>
-    <ds:schemaRef ds:uri="http://schemas.microsoft.com/sharepoint/v3"/>
-    <ds:schemaRef ds:uri="http://schemas.openxmlformats.org/package/2006/metadata/core-properties"/>
-    <ds:schemaRef ds:uri="http://www.w3.org/XML/1998/namespace"/>
-    <ds:schemaRef ds:uri="http://purl.org/dc/terms/"/>
-    <ds:schemaRef ds:uri="965de625-df5b-42e9-a277-2113da4f1195"/>
-  </ds:schemaRefs>
-</ds:datastoreItem>
 </file>